--- a/MDM07-Legal-small.pptx
+++ b/MDM07-Legal-small.pptx
@@ -1155,7 +1155,7 @@
           <a:p>
             <a:fld id="{A0ABDEA8-EB22-42D4-B8E2-0C26FFC92FC1}" type="datetimeFigureOut">
               <a:rPr lang="fr-FR" smtClean="0"/>
-              <a:t>25/06/2022</a:t>
+              <a:t>08/09/2022</a:t>
             </a:fld>
             <a:endParaRPr lang="fr-FR"/>
           </a:p>
@@ -1497,7 +1497,7 @@
           <a:p>
             <a:fld id="{A0ABDEA8-EB22-42D4-B8E2-0C26FFC92FC1}" type="datetimeFigureOut">
               <a:rPr lang="fr-FR" smtClean="0"/>
-              <a:t>25/06/2022</a:t>
+              <a:t>08/09/2022</a:t>
             </a:fld>
             <a:endParaRPr lang="fr-FR"/>
           </a:p>
@@ -1839,7 +1839,7 @@
           <a:p>
             <a:fld id="{A0ABDEA8-EB22-42D4-B8E2-0C26FFC92FC1}" type="datetimeFigureOut">
               <a:rPr lang="fr-FR" smtClean="0"/>
-              <a:t>25/06/2022</a:t>
+              <a:t>08/09/2022</a:t>
             </a:fld>
             <a:endParaRPr lang="fr-FR"/>
           </a:p>
@@ -2181,7 +2181,7 @@
           <a:p>
             <a:fld id="{A0ABDEA8-EB22-42D4-B8E2-0C26FFC92FC1}" type="datetimeFigureOut">
               <a:rPr lang="fr-FR" smtClean="0"/>
-              <a:t>25/06/2022</a:t>
+              <a:t>08/09/2022</a:t>
             </a:fld>
             <a:endParaRPr lang="fr-FR"/>
           </a:p>
@@ -5047,17 +5047,17 @@
           <a:p>
             <a:pPr eaLnBrk="1" hangingPunct="1"/>
             <a:r>
+              <a:rPr lang="fr-FR" altLang="fr-FR" dirty="0"/>
+              <a:t>Chapitre 7</a:t>
+            </a:r>
+          </a:p>
+          <a:p>
+            <a:pPr eaLnBrk="1" hangingPunct="1"/>
+            <a:r>
               <a:rPr lang="fr-FR" altLang="fr-FR"/>
-              <a:t>Chapitre 7</a:t>
+              <a:t>Le légal</a:t>
             </a:r>
             <a:endParaRPr lang="fr-FR" altLang="fr-FR" dirty="0"/>
-          </a:p>
-          <a:p>
-            <a:pPr eaLnBrk="1" hangingPunct="1"/>
-            <a:r>
-              <a:rPr lang="fr-FR" altLang="fr-FR" dirty="0"/>
-              <a:t>Légale</a:t>
-            </a:r>
           </a:p>
         </p:txBody>
       </p:sp>
